--- a/06AlgoData/07DeepSeek/OpenDay2_DeepEP2.pptx
+++ b/06AlgoData/07DeepSeek/OpenDay2_DeepEP2.pptx
@@ -9,10 +9,10 @@
     <p:sldMasterId id="2147483683" r:id="rId5"/>
   </p:sldMasterIdLst>
   <p:notesMasterIdLst>
-    <p:notesMasterId r:id="rId35"/>
+    <p:notesMasterId r:id="rId38"/>
   </p:notesMasterIdLst>
   <p:handoutMasterIdLst>
-    <p:handoutMasterId r:id="rId36"/>
+    <p:handoutMasterId r:id="rId39"/>
   </p:handoutMasterIdLst>
   <p:sldIdLst>
     <p:sldId id="603" r:id="rId6"/>
@@ -41,9 +41,12 @@
     <p:sldId id="2495" r:id="rId29"/>
     <p:sldId id="2496" r:id="rId30"/>
     <p:sldId id="2431" r:id="rId31"/>
-    <p:sldId id="2452" r:id="rId32"/>
-    <p:sldId id="2419" r:id="rId33"/>
-    <p:sldId id="2428" r:id="rId34"/>
+    <p:sldId id="2502" r:id="rId32"/>
+    <p:sldId id="2452" r:id="rId33"/>
+    <p:sldId id="2504" r:id="rId34"/>
+    <p:sldId id="2505" r:id="rId35"/>
+    <p:sldId id="2419" r:id="rId36"/>
+    <p:sldId id="2428" r:id="rId37"/>
   </p:sldIdLst>
   <p:sldSz cx="12196763" cy="6858000"/>
   <p:notesSz cx="6858000" cy="9144000"/>
@@ -32082,7 +32085,7 @@
         </p:blipFill>
         <p:spPr>
           <a:xfrm>
-            <a:off x="0" y="-20994"/>
+            <a:off x="0" y="174961"/>
             <a:ext cx="12227896" cy="6878994"/>
           </a:xfrm>
           <a:prstGeom prst="rect">
@@ -36973,9 +36976,18 @@
           <a:lstStyle/>
           <a:p>
             <a:r>
+              <a:rPr lang="en" altLang="zh-CN" dirty="0"/>
+              <a:t>DeepSeek </a:t>
+            </a:r>
+            <a:r>
               <a:rPr lang="zh-CN" altLang="en-US" dirty="0"/>
-              <a:t>优化特性</a:t>
-            </a:r>
+              <a:t>第二天开源 </a:t>
+            </a:r>
+            <a:r>
+              <a:rPr lang="en" altLang="zh-CN" dirty="0"/>
+              <a:t>DeepEP</a:t>
+            </a:r>
+            <a:endParaRPr lang="zh-CN" altLang="en-US" dirty="0"/>
           </a:p>
         </p:txBody>
       </p:sp>
@@ -36995,12 +37007,54 @@
             <p:ph sz="half" idx="1"/>
           </p:nvPr>
         </p:nvSpPr>
-        <p:spPr/>
+        <p:spPr>
+          <a:xfrm>
+            <a:off x="623635" y="1246909"/>
+            <a:ext cx="10963473" cy="5108171"/>
+          </a:xfrm>
+        </p:spPr>
         <p:txBody>
           <a:bodyPr/>
           <a:lstStyle/>
           <a:p>
-            <a:endParaRPr lang="zh-CN" altLang="en-US"/>
+            <a:pPr marL="457200" indent="-457200">
+              <a:buFont typeface="+mj-lt"/>
+              <a:buAutoNum type="arabicPeriod"/>
+            </a:pPr>
+            <a:r>
+              <a:rPr lang="zh-CN" altLang="en-US" sz="2400" dirty="0"/>
+              <a:t>对大模型厂商、互联网厂商带来哪些影响和思考？</a:t>
+            </a:r>
+            <a:endParaRPr lang="en-US" altLang="zh-CN" sz="2400" dirty="0"/>
+          </a:p>
+          <a:p>
+            <a:pPr marL="457200" indent="-457200">
+              <a:buFont typeface="+mj-lt"/>
+              <a:buAutoNum type="arabicPeriod"/>
+            </a:pPr>
+            <a:r>
+              <a:rPr lang="zh-CN" altLang="en-US" sz="2400" dirty="0"/>
+              <a:t>对国产芯片厂商带来哪些影响和思考？</a:t>
+            </a:r>
+            <a:endParaRPr lang="en-US" altLang="zh-CN" sz="2400" dirty="0"/>
+          </a:p>
+          <a:p>
+            <a:pPr marL="457200" indent="-457200">
+              <a:buFont typeface="+mj-lt"/>
+              <a:buAutoNum type="arabicPeriod"/>
+            </a:pPr>
+            <a:r>
+              <a:rPr lang="zh-CN" altLang="en-US" sz="2400" dirty="0"/>
+              <a:t>对 </a:t>
+            </a:r>
+            <a:r>
+              <a:rPr lang="en" altLang="zh-CN" sz="2400" dirty="0"/>
+              <a:t>AI </a:t>
+            </a:r>
+            <a:r>
+              <a:rPr lang="zh-CN" altLang="en-US" sz="2400" dirty="0"/>
+              <a:t>产业带来哪些新的变化？</a:t>
+            </a:r>
           </a:p>
         </p:txBody>
       </p:sp>
@@ -37054,7 +37108,7 @@
     </p:spTree>
     <p:extLst>
       <p:ext uri="{BB962C8B-B14F-4D97-AF65-F5344CB8AC3E}">
-        <p14:creationId xmlns:p14="http://schemas.microsoft.com/office/powerpoint/2010/main" val="4132707960"/>
+        <p14:creationId xmlns:p14="http://schemas.microsoft.com/office/powerpoint/2010/main" val="2701835515"/>
       </p:ext>
     </p:extLst>
   </p:cSld>
@@ -37095,10 +37149,10 @@
       </p:grpSpPr>
       <p:sp>
         <p:nvSpPr>
-          <p:cNvPr id="4" name="标题 3">
+          <p:cNvPr id="2" name="标题 1">
             <a:extLst>
               <a:ext uri="{FF2B5EF4-FFF2-40B4-BE49-F238E27FC236}">
-                <a16:creationId xmlns:a16="http://schemas.microsoft.com/office/drawing/2014/main" id="{B4F05058-0821-AFAF-0EBB-2167E84F81DA}"/>
+                <a16:creationId xmlns:a16="http://schemas.microsoft.com/office/drawing/2014/main" id="{C65AEF31-081B-7F2D-60CA-D9704201B50A}"/>
               </a:ext>
             </a:extLst>
           </p:cNvPr>
@@ -37109,14 +37163,27 @@
             <p:ph type="title"/>
           </p:nvPr>
         </p:nvSpPr>
-        <p:spPr/>
+        <p:spPr>
+          <a:xfrm>
+            <a:off x="623635" y="522789"/>
+            <a:ext cx="10963473" cy="589190"/>
+          </a:xfrm>
+        </p:spPr>
         <p:txBody>
           <a:bodyPr/>
           <a:lstStyle/>
           <a:p>
             <a:r>
-              <a:rPr lang="zh-CN" altLang="en-US"/>
-              <a:t>引用与参考</a:t>
+              <a:rPr lang="en" altLang="zh-CN" dirty="0"/>
+              <a:t>DeepSeek </a:t>
+            </a:r>
+            <a:r>
+              <a:rPr lang="zh-CN" altLang="en-US" dirty="0"/>
+              <a:t>第二天开源 </a:t>
+            </a:r>
+            <a:r>
+              <a:rPr lang="en" altLang="zh-CN" dirty="0"/>
+              <a:t>DeepEP</a:t>
             </a:r>
             <a:endParaRPr lang="zh-CN" altLang="en-US" dirty="0"/>
           </a:p>
@@ -37124,10 +37191,10 @@
       </p:sp>
       <p:sp>
         <p:nvSpPr>
-          <p:cNvPr id="5" name="内容占位符 4">
+          <p:cNvPr id="6" name="内容占位符 5">
             <a:extLst>
               <a:ext uri="{FF2B5EF4-FFF2-40B4-BE49-F238E27FC236}">
-                <a16:creationId xmlns:a16="http://schemas.microsoft.com/office/drawing/2014/main" id="{4A85FFCC-0519-35D4-40F4-46CFF289709F}"/>
+                <a16:creationId xmlns:a16="http://schemas.microsoft.com/office/drawing/2014/main" id="{2C801AAA-5FC3-9FE9-DDB2-CAF7F0651413}"/>
               </a:ext>
             </a:extLst>
           </p:cNvPr>
@@ -37138,88 +37205,146 @@
             <p:ph sz="half" idx="1"/>
           </p:nvPr>
         </p:nvSpPr>
-        <p:spPr/>
+        <p:spPr>
+          <a:xfrm>
+            <a:off x="623635" y="1246909"/>
+            <a:ext cx="10963473" cy="5108171"/>
+          </a:xfrm>
+        </p:spPr>
         <p:txBody>
           <a:bodyPr/>
           <a:lstStyle/>
           <a:p>
-            <a:r>
-              <a:rPr lang="en" altLang="zh-CN" dirty="0" err="1"/>
-              <a:t>Github</a:t>
-            </a:r>
-            <a:r>
-              <a:rPr lang="en" altLang="zh-CN" dirty="0"/>
-              <a:t> </a:t>
-            </a:r>
-            <a:r>
-              <a:rPr lang="zh-CN" altLang="en" dirty="0"/>
-              <a:t>开源地址</a:t>
-            </a:r>
-            <a:r>
-              <a:rPr lang="zh-CN" altLang="en-US" dirty="0"/>
-              <a:t>：</a:t>
-            </a:r>
-            <a:r>
-              <a:rPr lang="en" altLang="zh-CN" dirty="0">
-                <a:hlinkClick r:id="rId2"/>
-              </a:rPr>
-              <a:t>https://github.com/deepseek-ai/FlashMLA</a:t>
-            </a:r>
-            <a:endParaRPr lang="en" altLang="zh-CN" dirty="0"/>
+            <a:pPr marL="0" indent="0">
+              <a:buNone/>
+            </a:pPr>
+            <a:r>
+              <a:rPr lang="zh-CN" altLang="en-US" sz="2400" dirty="0"/>
+              <a:t>对大模型厂商、互联网厂商带来哪些影响和思考？</a:t>
+            </a:r>
+            <a:endParaRPr lang="en-US" altLang="zh-CN" sz="2400" dirty="0"/>
           </a:p>
           <a:p>
-            <a:pPr algn="l"/>
-            <a:r>
-              <a:rPr lang="zh-CN" altLang="en" dirty="0"/>
-              <a:t>本</a:t>
+            <a:pPr lvl="1"/>
+            <a:r>
+              <a:rPr lang="en-US" altLang="zh-CN" dirty="0"/>
+              <a:t>DeepEP </a:t>
             </a:r>
             <a:r>
               <a:rPr lang="zh-CN" altLang="en-US" dirty="0"/>
-              <a:t> </a:t>
-            </a:r>
-            <a:r>
-              <a:rPr lang="en" altLang="zh-CN" dirty="0"/>
-              <a:t>PPT </a:t>
-            </a:r>
-            <a:r>
-              <a:rPr lang="zh-CN" altLang="en" dirty="0"/>
-              <a:t>开源</a:t>
+              <a:t>直接使用底层 </a:t>
+            </a:r>
+            <a:r>
+              <a:rPr lang="en-US" altLang="zh-CN" dirty="0"/>
+              <a:t>NVSHMEM </a:t>
             </a:r>
             <a:r>
               <a:rPr lang="zh-CN" altLang="en-US" dirty="0"/>
-              <a:t>：</a:t>
-            </a:r>
-            <a:r>
-              <a:rPr lang="en" altLang="zh-CN" dirty="0">
-                <a:hlinkClick r:id="rId3"/>
-              </a:rPr>
-              <a:t>https://github.com/chenzomi12/AIInfra/tree/main/06AlgoData</a:t>
-            </a:r>
-            <a:endParaRPr lang="en" altLang="zh-CN" dirty="0"/>
+              <a:t>编程接口进行</a:t>
+            </a:r>
+            <a:r>
+              <a:rPr lang="en-US" altLang="zh-CN" dirty="0"/>
+              <a:t> Infra </a:t>
+            </a:r>
+            <a:r>
+              <a:rPr lang="zh-CN" altLang="en-US" dirty="0"/>
+              <a:t>加速，而不是</a:t>
+            </a:r>
+            <a:r>
+              <a:rPr lang="en-US" altLang="zh-CN" dirty="0"/>
+              <a:t> NCCL </a:t>
+            </a:r>
+            <a:r>
+              <a:rPr lang="zh-CN" altLang="en-US" dirty="0"/>
+              <a:t>等，让中台压力大；</a:t>
+            </a:r>
+            <a:endParaRPr lang="en-US" altLang="zh-CN" dirty="0"/>
           </a:p>
           <a:p>
+            <a:pPr lvl="1"/>
             <a:r>
               <a:rPr lang="zh-CN" altLang="en-US" dirty="0"/>
-              <a:t>夸克链接：</a:t>
-            </a:r>
-            <a:r>
-              <a:rPr lang="en" altLang="zh-CN" dirty="0">
-                <a:hlinkClick r:id="rId4"/>
-              </a:rPr>
-              <a:t>https://pan.quark.cn/s/374bc7960241</a:t>
+              <a:t>优化 </a:t>
+            </a:r>
+            <a:r>
+              <a:rPr lang="en" altLang="zh-CN" dirty="0"/>
+              <a:t>GPU </a:t>
             </a:r>
             <a:r>
               <a:rPr lang="zh-CN" altLang="en-US" dirty="0"/>
-              <a:t>（代码、论文、注释）</a:t>
-            </a:r>
-            <a:endParaRPr lang="en" altLang="zh-CN" dirty="0"/>
+              <a:t>性能和降低信息传递延迟，提升了模型训练和推理的效率，有助于厂商降低计算成本；</a:t>
+            </a:r>
+            <a:endParaRPr lang="en-US" altLang="zh-CN" dirty="0"/>
+          </a:p>
+          <a:p>
+            <a:pPr lvl="1"/>
+            <a:r>
+              <a:rPr lang="zh-CN" altLang="en-US" dirty="0"/>
+              <a:t>技术路径重构：从“堆算力”到“算法</a:t>
+            </a:r>
+            <a:r>
+              <a:rPr lang="en-US" altLang="zh-CN" dirty="0"/>
+              <a:t>-</a:t>
+            </a:r>
+            <a:r>
+              <a:rPr lang="zh-CN" altLang="en-US" dirty="0"/>
+              <a:t>通信协同优化”；</a:t>
+            </a:r>
+            <a:endParaRPr lang="en-US" altLang="zh-CN" dirty="0"/>
           </a:p>
         </p:txBody>
       </p:sp>
+      <p:pic>
+        <p:nvPicPr>
+          <p:cNvPr id="4" name="Picture 2" descr="思考表情包图片-思考表情包模板下载-包图网">
+            <a:extLst>
+              <a:ext uri="{FF2B5EF4-FFF2-40B4-BE49-F238E27FC236}">
+                <a16:creationId xmlns:a16="http://schemas.microsoft.com/office/drawing/2014/main" id="{CC7F3AB7-13DC-6DFF-2A02-F88EA93CBDF1}"/>
+              </a:ext>
+            </a:extLst>
+          </p:cNvPr>
+          <p:cNvPicPr>
+            <a:picLocks noChangeAspect="1" noChangeArrowheads="1"/>
+          </p:cNvPicPr>
+          <p:nvPr/>
+        </p:nvPicPr>
+        <p:blipFill>
+          <a:blip r:embed="rId2">
+            <a:extLst>
+              <a:ext uri="{28A0092B-C50C-407E-A947-70E740481C1C}">
+                <a14:useLocalDpi xmlns:a14="http://schemas.microsoft.com/office/drawing/2010/main"/>
+              </a:ext>
+            </a:extLst>
+          </a:blip>
+          <a:srcRect/>
+          <a:stretch>
+            <a:fillRect/>
+          </a:stretch>
+        </p:blipFill>
+        <p:spPr bwMode="auto">
+          <a:xfrm>
+            <a:off x="9287838" y="3963343"/>
+            <a:ext cx="2299270" cy="2299270"/>
+          </a:xfrm>
+          <a:prstGeom prst="rect">
+            <a:avLst/>
+          </a:prstGeom>
+          <a:noFill/>
+          <a:extLst>
+            <a:ext uri="{909E8E84-426E-40DD-AFC4-6F175D3DCCD1}">
+              <a14:hiddenFill xmlns:a14="http://schemas.microsoft.com/office/drawing/2010/main">
+                <a:solidFill>
+                  <a:srgbClr val="FFFFFF"/>
+                </a:solidFill>
+              </a14:hiddenFill>
+            </a:ext>
+          </a:extLst>
+        </p:spPr>
+      </p:pic>
     </p:spTree>
     <p:extLst>
       <p:ext uri="{BB962C8B-B14F-4D97-AF65-F5344CB8AC3E}">
-        <p14:creationId xmlns:p14="http://schemas.microsoft.com/office/powerpoint/2010/main" val="4140837558"/>
+        <p14:creationId xmlns:p14="http://schemas.microsoft.com/office/powerpoint/2010/main" val="4132707960"/>
       </p:ext>
     </p:extLst>
   </p:cSld>
@@ -37258,10 +37383,175 @@
           <a:chExt cx="0" cy="0"/>
         </a:xfrm>
       </p:grpSpPr>
+      <p:sp>
+        <p:nvSpPr>
+          <p:cNvPr id="2" name="标题 1">
+            <a:extLst>
+              <a:ext uri="{FF2B5EF4-FFF2-40B4-BE49-F238E27FC236}">
+                <a16:creationId xmlns:a16="http://schemas.microsoft.com/office/drawing/2014/main" id="{C65AEF31-081B-7F2D-60CA-D9704201B50A}"/>
+              </a:ext>
+            </a:extLst>
+          </p:cNvPr>
+          <p:cNvSpPr>
+            <a:spLocks noGrp="1"/>
+          </p:cNvSpPr>
+          <p:nvPr>
+            <p:ph type="title"/>
+          </p:nvPr>
+        </p:nvSpPr>
+        <p:spPr>
+          <a:xfrm>
+            <a:off x="623635" y="522789"/>
+            <a:ext cx="10963473" cy="589190"/>
+          </a:xfrm>
+        </p:spPr>
+        <p:txBody>
+          <a:bodyPr/>
+          <a:lstStyle/>
+          <a:p>
+            <a:r>
+              <a:rPr lang="en" altLang="zh-CN" dirty="0"/>
+              <a:t>DeepSeek </a:t>
+            </a:r>
+            <a:r>
+              <a:rPr lang="zh-CN" altLang="en-US" dirty="0"/>
+              <a:t>第二天开源 </a:t>
+            </a:r>
+            <a:r>
+              <a:rPr lang="en" altLang="zh-CN" dirty="0"/>
+              <a:t>DeepEP</a:t>
+            </a:r>
+            <a:endParaRPr lang="zh-CN" altLang="en-US" dirty="0"/>
+          </a:p>
+        </p:txBody>
+      </p:sp>
+      <p:sp>
+        <p:nvSpPr>
+          <p:cNvPr id="6" name="内容占位符 5">
+            <a:extLst>
+              <a:ext uri="{FF2B5EF4-FFF2-40B4-BE49-F238E27FC236}">
+                <a16:creationId xmlns:a16="http://schemas.microsoft.com/office/drawing/2014/main" id="{2C801AAA-5FC3-9FE9-DDB2-CAF7F0651413}"/>
+              </a:ext>
+            </a:extLst>
+          </p:cNvPr>
+          <p:cNvSpPr>
+            <a:spLocks noGrp="1"/>
+          </p:cNvSpPr>
+          <p:nvPr>
+            <p:ph sz="half" idx="1"/>
+          </p:nvPr>
+        </p:nvSpPr>
+        <p:spPr>
+          <a:xfrm>
+            <a:off x="623635" y="1246909"/>
+            <a:ext cx="10963473" cy="5108171"/>
+          </a:xfrm>
+        </p:spPr>
+        <p:txBody>
+          <a:bodyPr/>
+          <a:lstStyle/>
+          <a:p>
+            <a:pPr marL="0" indent="0">
+              <a:buNone/>
+            </a:pPr>
+            <a:r>
+              <a:rPr lang="zh-CN" altLang="en-US" sz="2400" dirty="0"/>
+              <a:t>对国产芯片厂商带来哪些影响和思考？？</a:t>
+            </a:r>
+            <a:endParaRPr lang="en-US" altLang="zh-CN" sz="2400" dirty="0"/>
+          </a:p>
+          <a:p>
+            <a:pPr lvl="1"/>
+            <a:r>
+              <a:rPr lang="en" altLang="zh-CN" dirty="0"/>
+              <a:t>DeepEP</a:t>
+            </a:r>
+            <a:r>
+              <a:rPr lang="zh-CN" altLang="en-US" dirty="0"/>
+              <a:t>或成为行业通信库的新标准，迫使厂商在开源基础上差异化竞争；</a:t>
+            </a:r>
+            <a:endParaRPr lang="en-US" altLang="zh-CN" dirty="0"/>
+          </a:p>
+          <a:p>
+            <a:pPr lvl="1"/>
+            <a:r>
+              <a:rPr lang="en" altLang="zh-CN" dirty="0"/>
+              <a:t>CUDA</a:t>
+            </a:r>
+            <a:r>
+              <a:rPr lang="zh-CN" altLang="en-US" dirty="0"/>
+              <a:t>生态兼容性参考：</a:t>
+            </a:r>
+            <a:r>
+              <a:rPr lang="en" altLang="zh-CN" dirty="0"/>
+              <a:t>DeepEP</a:t>
+            </a:r>
+            <a:r>
+              <a:rPr lang="zh-CN" altLang="en-US" dirty="0"/>
+              <a:t>的开源为国产</a:t>
+            </a:r>
+            <a:r>
+              <a:rPr lang="en" altLang="zh-CN" dirty="0"/>
+              <a:t>GPU</a:t>
+            </a:r>
+            <a:r>
+              <a:rPr lang="zh-CN" altLang="en-US" dirty="0"/>
+              <a:t> 提供了新通信协议优化的方案；</a:t>
+            </a:r>
+          </a:p>
+        </p:txBody>
+      </p:sp>
+      <p:pic>
+        <p:nvPicPr>
+          <p:cNvPr id="4" name="Picture 2" descr="思考表情包图片-思考表情包模板下载-包图网">
+            <a:extLst>
+              <a:ext uri="{FF2B5EF4-FFF2-40B4-BE49-F238E27FC236}">
+                <a16:creationId xmlns:a16="http://schemas.microsoft.com/office/drawing/2014/main" id="{CC7F3AB7-13DC-6DFF-2A02-F88EA93CBDF1}"/>
+              </a:ext>
+            </a:extLst>
+          </p:cNvPr>
+          <p:cNvPicPr>
+            <a:picLocks noChangeAspect="1" noChangeArrowheads="1"/>
+          </p:cNvPicPr>
+          <p:nvPr/>
+        </p:nvPicPr>
+        <p:blipFill>
+          <a:blip r:embed="rId2">
+            <a:extLst>
+              <a:ext uri="{28A0092B-C50C-407E-A947-70E740481C1C}">
+                <a14:useLocalDpi xmlns:a14="http://schemas.microsoft.com/office/drawing/2010/main"/>
+              </a:ext>
+            </a:extLst>
+          </a:blip>
+          <a:srcRect/>
+          <a:stretch>
+            <a:fillRect/>
+          </a:stretch>
+        </p:blipFill>
+        <p:spPr bwMode="auto">
+          <a:xfrm>
+            <a:off x="9287838" y="3963343"/>
+            <a:ext cx="2299270" cy="2299270"/>
+          </a:xfrm>
+          <a:prstGeom prst="rect">
+            <a:avLst/>
+          </a:prstGeom>
+          <a:noFill/>
+          <a:extLst>
+            <a:ext uri="{909E8E84-426E-40DD-AFC4-6F175D3DCCD1}">
+              <a14:hiddenFill xmlns:a14="http://schemas.microsoft.com/office/drawing/2010/main">
+                <a:solidFill>
+                  <a:srgbClr val="FFFFFF"/>
+                </a:solidFill>
+              </a14:hiddenFill>
+            </a:ext>
+          </a:extLst>
+        </p:spPr>
+      </p:pic>
     </p:spTree>
     <p:extLst>
       <p:ext uri="{BB962C8B-B14F-4D97-AF65-F5344CB8AC3E}">
-        <p14:creationId xmlns:p14="http://schemas.microsoft.com/office/powerpoint/2010/main" val="1293370026"/>
+        <p14:creationId xmlns:p14="http://schemas.microsoft.com/office/powerpoint/2010/main" val="68044773"/>
       </p:ext>
     </p:extLst>
   </p:cSld>
@@ -37546,6 +37836,456 @@
     <p:extLst>
       <p:ext uri="{BB962C8B-B14F-4D97-AF65-F5344CB8AC3E}">
         <p14:creationId xmlns:p14="http://schemas.microsoft.com/office/powerpoint/2010/main" val="1126578594"/>
+      </p:ext>
+    </p:extLst>
+  </p:cSld>
+  <p:clrMapOvr>
+    <a:masterClrMapping/>
+  </p:clrMapOvr>
+  <mc:AlternateContent xmlns:mc="http://schemas.openxmlformats.org/markup-compatibility/2006" xmlns:p159="http://schemas.microsoft.com/office/powerpoint/2015/09/main">
+    <mc:Choice Requires="p159">
+      <p:transition xmlns:p14="http://schemas.microsoft.com/office/powerpoint/2010/main" spd="slow" p14:dur="2000">
+        <p159:morph option="byObject"/>
+      </p:transition>
+    </mc:Choice>
+    <mc:Fallback xmlns="">
+      <p:transition spd="slow">
+        <p:fade/>
+      </p:transition>
+    </mc:Fallback>
+  </mc:AlternateContent>
+</p:sld>
+</file>
+
+<file path=ppt/slides/slide30.xml><?xml version="1.0" encoding="utf-8"?>
+<p:sld xmlns:a="http://schemas.openxmlformats.org/drawingml/2006/main" xmlns:r="http://schemas.openxmlformats.org/officeDocument/2006/relationships" xmlns:p="http://schemas.openxmlformats.org/presentationml/2006/main">
+  <p:cSld>
+    <p:spTree>
+      <p:nvGrpSpPr>
+        <p:cNvPr id="1" name=""/>
+        <p:cNvGrpSpPr/>
+        <p:nvPr/>
+      </p:nvGrpSpPr>
+      <p:grpSpPr>
+        <a:xfrm>
+          <a:off x="0" y="0"/>
+          <a:ext cx="0" cy="0"/>
+          <a:chOff x="0" y="0"/>
+          <a:chExt cx="0" cy="0"/>
+        </a:xfrm>
+      </p:grpSpPr>
+      <p:sp>
+        <p:nvSpPr>
+          <p:cNvPr id="2" name="标题 1">
+            <a:extLst>
+              <a:ext uri="{FF2B5EF4-FFF2-40B4-BE49-F238E27FC236}">
+                <a16:creationId xmlns:a16="http://schemas.microsoft.com/office/drawing/2014/main" id="{C65AEF31-081B-7F2D-60CA-D9704201B50A}"/>
+              </a:ext>
+            </a:extLst>
+          </p:cNvPr>
+          <p:cNvSpPr>
+            <a:spLocks noGrp="1"/>
+          </p:cNvSpPr>
+          <p:nvPr>
+            <p:ph type="title"/>
+          </p:nvPr>
+        </p:nvSpPr>
+        <p:spPr>
+          <a:xfrm>
+            <a:off x="623635" y="522789"/>
+            <a:ext cx="10963473" cy="589190"/>
+          </a:xfrm>
+        </p:spPr>
+        <p:txBody>
+          <a:bodyPr/>
+          <a:lstStyle/>
+          <a:p>
+            <a:r>
+              <a:rPr lang="en" altLang="zh-CN" dirty="0"/>
+              <a:t>DeepSeek </a:t>
+            </a:r>
+            <a:r>
+              <a:rPr lang="zh-CN" altLang="en-US" dirty="0"/>
+              <a:t>第二天开源 </a:t>
+            </a:r>
+            <a:r>
+              <a:rPr lang="en" altLang="zh-CN" dirty="0"/>
+              <a:t>DeepEP</a:t>
+            </a:r>
+            <a:endParaRPr lang="zh-CN" altLang="en-US" dirty="0"/>
+          </a:p>
+        </p:txBody>
+      </p:sp>
+      <p:sp>
+        <p:nvSpPr>
+          <p:cNvPr id="6" name="内容占位符 5">
+            <a:extLst>
+              <a:ext uri="{FF2B5EF4-FFF2-40B4-BE49-F238E27FC236}">
+                <a16:creationId xmlns:a16="http://schemas.microsoft.com/office/drawing/2014/main" id="{2C801AAA-5FC3-9FE9-DDB2-CAF7F0651413}"/>
+              </a:ext>
+            </a:extLst>
+          </p:cNvPr>
+          <p:cNvSpPr>
+            <a:spLocks noGrp="1"/>
+          </p:cNvSpPr>
+          <p:nvPr>
+            <p:ph sz="half" idx="1"/>
+          </p:nvPr>
+        </p:nvSpPr>
+        <p:spPr>
+          <a:xfrm>
+            <a:off x="623635" y="1246909"/>
+            <a:ext cx="10963473" cy="5108171"/>
+          </a:xfrm>
+        </p:spPr>
+        <p:txBody>
+          <a:bodyPr/>
+          <a:lstStyle/>
+          <a:p>
+            <a:pPr marL="457200" indent="-457200">
+              <a:buFont typeface="+mj-lt"/>
+              <a:buAutoNum type="arabicPeriod"/>
+            </a:pPr>
+            <a:r>
+              <a:rPr lang="zh-CN" altLang="en-US" sz="2400" dirty="0"/>
+              <a:t>对 </a:t>
+            </a:r>
+            <a:r>
+              <a:rPr lang="en" altLang="zh-CN" sz="2400" dirty="0"/>
+              <a:t>AI </a:t>
+            </a:r>
+            <a:r>
+              <a:rPr lang="zh-CN" altLang="en-US" sz="2400" dirty="0"/>
+              <a:t>产业带来哪些新的变化？？？</a:t>
+            </a:r>
+          </a:p>
+          <a:p>
+            <a:pPr lvl="1"/>
+            <a:r>
+              <a:rPr lang="zh-CN" altLang="en-US" dirty="0"/>
+              <a:t>加速</a:t>
+            </a:r>
+            <a:r>
+              <a:rPr lang="en" altLang="zh-CN" dirty="0"/>
+              <a:t>MoE</a:t>
+            </a:r>
+            <a:r>
+              <a:rPr lang="zh-CN" altLang="en-US" dirty="0"/>
+              <a:t>架构普及：</a:t>
+            </a:r>
+            <a:r>
+              <a:rPr lang="en" altLang="zh-CN" dirty="0"/>
+              <a:t>DeepEP</a:t>
+            </a:r>
+            <a:r>
+              <a:rPr lang="zh-CN" altLang="en-US" dirty="0"/>
+              <a:t>解决了</a:t>
+            </a:r>
+            <a:r>
+              <a:rPr lang="en" altLang="zh-CN" dirty="0"/>
+              <a:t>MoE</a:t>
+            </a:r>
+            <a:r>
+              <a:rPr lang="zh-CN" altLang="en-US" dirty="0"/>
+              <a:t>模型中专家间通信的瓶颈，支持千亿参数模型的高效扩展；</a:t>
+            </a:r>
+            <a:endParaRPr lang="en-US" altLang="zh-CN" dirty="0"/>
+          </a:p>
+          <a:p>
+            <a:pPr lvl="1"/>
+            <a:r>
+              <a:rPr lang="en" altLang="zh-CN" dirty="0"/>
+              <a:t>DeepEP</a:t>
+            </a:r>
+            <a:r>
+              <a:rPr lang="zh-CN" altLang="en-US" dirty="0"/>
+              <a:t>的低成本特性可能引发大模型服务价格战；</a:t>
+            </a:r>
+            <a:endParaRPr lang="en-US" altLang="zh-CN" dirty="0"/>
+          </a:p>
+          <a:p>
+            <a:pPr lvl="1"/>
+            <a:r>
+              <a:rPr lang="zh-CN" altLang="en-US" dirty="0"/>
+              <a:t>“效率驱动”替代“规模驱动”：</a:t>
+            </a:r>
+            <a:r>
+              <a:rPr lang="en" altLang="zh-CN" dirty="0"/>
+              <a:t>DeepSeek</a:t>
+            </a:r>
+            <a:r>
+              <a:rPr lang="zh-CN" altLang="en-US" dirty="0"/>
+              <a:t>的算法优化推动行业从堆算力转向</a:t>
+            </a:r>
+            <a:r>
+              <a:rPr lang="zh-CN" altLang="en-US"/>
+              <a:t>智能优化；</a:t>
+            </a:r>
+            <a:endParaRPr lang="en-US" altLang="zh-CN" dirty="0"/>
+          </a:p>
+          <a:p>
+            <a:endParaRPr kumimoji="1" lang="zh-CN" altLang="en-US" dirty="0"/>
+          </a:p>
+        </p:txBody>
+      </p:sp>
+      <p:pic>
+        <p:nvPicPr>
+          <p:cNvPr id="4" name="Picture 2" descr="思考表情包图片-思考表情包模板下载-包图网">
+            <a:extLst>
+              <a:ext uri="{FF2B5EF4-FFF2-40B4-BE49-F238E27FC236}">
+                <a16:creationId xmlns:a16="http://schemas.microsoft.com/office/drawing/2014/main" id="{CC7F3AB7-13DC-6DFF-2A02-F88EA93CBDF1}"/>
+              </a:ext>
+            </a:extLst>
+          </p:cNvPr>
+          <p:cNvPicPr>
+            <a:picLocks noChangeAspect="1" noChangeArrowheads="1"/>
+          </p:cNvPicPr>
+          <p:nvPr/>
+        </p:nvPicPr>
+        <p:blipFill>
+          <a:blip r:embed="rId2">
+            <a:extLst>
+              <a:ext uri="{28A0092B-C50C-407E-A947-70E740481C1C}">
+                <a14:useLocalDpi xmlns:a14="http://schemas.microsoft.com/office/drawing/2010/main"/>
+              </a:ext>
+            </a:extLst>
+          </a:blip>
+          <a:srcRect/>
+          <a:stretch>
+            <a:fillRect/>
+          </a:stretch>
+        </p:blipFill>
+        <p:spPr bwMode="auto">
+          <a:xfrm>
+            <a:off x="9287838" y="3963343"/>
+            <a:ext cx="2299270" cy="2299270"/>
+          </a:xfrm>
+          <a:prstGeom prst="rect">
+            <a:avLst/>
+          </a:prstGeom>
+          <a:noFill/>
+          <a:extLst>
+            <a:ext uri="{909E8E84-426E-40DD-AFC4-6F175D3DCCD1}">
+              <a14:hiddenFill xmlns:a14="http://schemas.microsoft.com/office/drawing/2010/main">
+                <a:solidFill>
+                  <a:srgbClr val="FFFFFF"/>
+                </a:solidFill>
+              </a14:hiddenFill>
+            </a:ext>
+          </a:extLst>
+        </p:spPr>
+      </p:pic>
+    </p:spTree>
+    <p:extLst>
+      <p:ext uri="{BB962C8B-B14F-4D97-AF65-F5344CB8AC3E}">
+        <p14:creationId xmlns:p14="http://schemas.microsoft.com/office/powerpoint/2010/main" val="3944865180"/>
+      </p:ext>
+    </p:extLst>
+  </p:cSld>
+  <p:clrMapOvr>
+    <a:masterClrMapping/>
+  </p:clrMapOvr>
+  <mc:AlternateContent xmlns:mc="http://schemas.openxmlformats.org/markup-compatibility/2006" xmlns:p159="http://schemas.microsoft.com/office/powerpoint/2015/09/main">
+    <mc:Choice Requires="p159">
+      <p:transition xmlns:p14="http://schemas.microsoft.com/office/powerpoint/2010/main" spd="slow" p14:dur="2000">
+        <p159:morph option="byObject"/>
+      </p:transition>
+    </mc:Choice>
+    <mc:Fallback xmlns="">
+      <p:transition spd="slow">
+        <p:fade/>
+      </p:transition>
+    </mc:Fallback>
+  </mc:AlternateContent>
+</p:sld>
+</file>
+
+<file path=ppt/slides/slide31.xml><?xml version="1.0" encoding="utf-8"?>
+<p:sld xmlns:a="http://schemas.openxmlformats.org/drawingml/2006/main" xmlns:r="http://schemas.openxmlformats.org/officeDocument/2006/relationships" xmlns:p="http://schemas.openxmlformats.org/presentationml/2006/main">
+  <p:cSld>
+    <p:spTree>
+      <p:nvGrpSpPr>
+        <p:cNvPr id="1" name=""/>
+        <p:cNvGrpSpPr/>
+        <p:nvPr/>
+      </p:nvGrpSpPr>
+      <p:grpSpPr>
+        <a:xfrm>
+          <a:off x="0" y="0"/>
+          <a:ext cx="0" cy="0"/>
+          <a:chOff x="0" y="0"/>
+          <a:chExt cx="0" cy="0"/>
+        </a:xfrm>
+      </p:grpSpPr>
+      <p:sp>
+        <p:nvSpPr>
+          <p:cNvPr id="4" name="标题 3">
+            <a:extLst>
+              <a:ext uri="{FF2B5EF4-FFF2-40B4-BE49-F238E27FC236}">
+                <a16:creationId xmlns:a16="http://schemas.microsoft.com/office/drawing/2014/main" id="{B4F05058-0821-AFAF-0EBB-2167E84F81DA}"/>
+              </a:ext>
+            </a:extLst>
+          </p:cNvPr>
+          <p:cNvSpPr>
+            <a:spLocks noGrp="1"/>
+          </p:cNvSpPr>
+          <p:nvPr>
+            <p:ph type="title"/>
+          </p:nvPr>
+        </p:nvSpPr>
+        <p:spPr/>
+        <p:txBody>
+          <a:bodyPr/>
+          <a:lstStyle/>
+          <a:p>
+            <a:r>
+              <a:rPr lang="zh-CN" altLang="en-US"/>
+              <a:t>引用与参考</a:t>
+            </a:r>
+            <a:endParaRPr lang="zh-CN" altLang="en-US" dirty="0"/>
+          </a:p>
+        </p:txBody>
+      </p:sp>
+      <p:sp>
+        <p:nvSpPr>
+          <p:cNvPr id="5" name="内容占位符 4">
+            <a:extLst>
+              <a:ext uri="{FF2B5EF4-FFF2-40B4-BE49-F238E27FC236}">
+                <a16:creationId xmlns:a16="http://schemas.microsoft.com/office/drawing/2014/main" id="{4A85FFCC-0519-35D4-40F4-46CFF289709F}"/>
+              </a:ext>
+            </a:extLst>
+          </p:cNvPr>
+          <p:cNvSpPr>
+            <a:spLocks noGrp="1"/>
+          </p:cNvSpPr>
+          <p:nvPr>
+            <p:ph sz="half" idx="1"/>
+          </p:nvPr>
+        </p:nvSpPr>
+        <p:spPr/>
+        <p:txBody>
+          <a:bodyPr/>
+          <a:lstStyle/>
+          <a:p>
+            <a:r>
+              <a:rPr lang="en" altLang="zh-CN" dirty="0" err="1"/>
+              <a:t>Github</a:t>
+            </a:r>
+            <a:r>
+              <a:rPr lang="en" altLang="zh-CN" dirty="0"/>
+              <a:t> </a:t>
+            </a:r>
+            <a:r>
+              <a:rPr lang="zh-CN" altLang="en" dirty="0"/>
+              <a:t>开源地址</a:t>
+            </a:r>
+            <a:r>
+              <a:rPr lang="zh-CN" altLang="en-US" dirty="0"/>
+              <a:t>：</a:t>
+            </a:r>
+            <a:r>
+              <a:rPr lang="en" altLang="zh-CN" dirty="0">
+                <a:hlinkClick r:id="rId2"/>
+              </a:rPr>
+              <a:t>https://github.com/deepseek-ai/FlashMLA</a:t>
+            </a:r>
+            <a:endParaRPr lang="en" altLang="zh-CN" dirty="0"/>
+          </a:p>
+          <a:p>
+            <a:pPr algn="l"/>
+            <a:r>
+              <a:rPr lang="zh-CN" altLang="en" dirty="0"/>
+              <a:t>本</a:t>
+            </a:r>
+            <a:r>
+              <a:rPr lang="zh-CN" altLang="en-US" dirty="0"/>
+              <a:t> </a:t>
+            </a:r>
+            <a:r>
+              <a:rPr lang="en" altLang="zh-CN" dirty="0"/>
+              <a:t>PPT </a:t>
+            </a:r>
+            <a:r>
+              <a:rPr lang="zh-CN" altLang="en" dirty="0"/>
+              <a:t>开源</a:t>
+            </a:r>
+            <a:r>
+              <a:rPr lang="zh-CN" altLang="en-US" dirty="0"/>
+              <a:t>：</a:t>
+            </a:r>
+            <a:r>
+              <a:rPr lang="en" altLang="zh-CN" dirty="0">
+                <a:hlinkClick r:id="rId3"/>
+              </a:rPr>
+              <a:t>https://github.com/chenzomi12/AIInfra/tree/main/06AlgoData</a:t>
+            </a:r>
+            <a:endParaRPr lang="en" altLang="zh-CN" dirty="0"/>
+          </a:p>
+          <a:p>
+            <a:r>
+              <a:rPr lang="zh-CN" altLang="en-US" dirty="0"/>
+              <a:t>夸克链接：</a:t>
+            </a:r>
+            <a:r>
+              <a:rPr lang="en" altLang="zh-CN" dirty="0">
+                <a:hlinkClick r:id="rId4"/>
+              </a:rPr>
+              <a:t>https://pan.quark.cn/s/374bc7960241</a:t>
+            </a:r>
+            <a:r>
+              <a:rPr lang="zh-CN" altLang="en-US" dirty="0"/>
+              <a:t>（代码、论文、注释）</a:t>
+            </a:r>
+            <a:endParaRPr lang="en" altLang="zh-CN" dirty="0"/>
+          </a:p>
+        </p:txBody>
+      </p:sp>
+    </p:spTree>
+    <p:extLst>
+      <p:ext uri="{BB962C8B-B14F-4D97-AF65-F5344CB8AC3E}">
+        <p14:creationId xmlns:p14="http://schemas.microsoft.com/office/powerpoint/2010/main" val="4140837558"/>
+      </p:ext>
+    </p:extLst>
+  </p:cSld>
+  <p:clrMapOvr>
+    <a:masterClrMapping/>
+  </p:clrMapOvr>
+  <mc:AlternateContent xmlns:mc="http://schemas.openxmlformats.org/markup-compatibility/2006" xmlns:p159="http://schemas.microsoft.com/office/powerpoint/2015/09/main">
+    <mc:Choice Requires="p159">
+      <p:transition xmlns:p14="http://schemas.microsoft.com/office/powerpoint/2010/main" spd="slow" p14:dur="2000">
+        <p159:morph option="byObject"/>
+      </p:transition>
+    </mc:Choice>
+    <mc:Fallback xmlns="">
+      <p:transition spd="slow">
+        <p:fade/>
+      </p:transition>
+    </mc:Fallback>
+  </mc:AlternateContent>
+</p:sld>
+</file>
+
+<file path=ppt/slides/slide32.xml><?xml version="1.0" encoding="utf-8"?>
+<p:sld xmlns:a="http://schemas.openxmlformats.org/drawingml/2006/main" xmlns:r="http://schemas.openxmlformats.org/officeDocument/2006/relationships" xmlns:p="http://schemas.openxmlformats.org/presentationml/2006/main">
+  <p:cSld>
+    <p:spTree>
+      <p:nvGrpSpPr>
+        <p:cNvPr id="1" name=""/>
+        <p:cNvGrpSpPr/>
+        <p:nvPr/>
+      </p:nvGrpSpPr>
+      <p:grpSpPr>
+        <a:xfrm>
+          <a:off x="0" y="0"/>
+          <a:ext cx="0" cy="0"/>
+          <a:chOff x="0" y="0"/>
+          <a:chExt cx="0" cy="0"/>
+        </a:xfrm>
+      </p:grpSpPr>
+    </p:spTree>
+    <p:extLst>
+      <p:ext uri="{BB962C8B-B14F-4D97-AF65-F5344CB8AC3E}">
+        <p14:creationId xmlns:p14="http://schemas.microsoft.com/office/powerpoint/2010/main" val="1293370026"/>
       </p:ext>
     </p:extLst>
   </p:cSld>
